--- a/PresentationGardenPlanner.pptx
+++ b/PresentationGardenPlanner.pptx
@@ -117,6 +117,11 @@
       </a:defRPr>
     </a:lvl9pPr>
   </p:defaultTextStyle>
+  <p:extLst>
+    <p:ext uri="{EFAFB233-063F-42B5-8137-9DF3F51BA10A}">
+      <p15:sldGuideLst xmlns:p15="http://schemas.microsoft.com/office/powerpoint/2012/main"/>
+    </p:ext>
+  </p:extLst>
 </p:presentation>
 </file>
 
@@ -585,7 +590,7 @@
           <a:p>
             <a:fld id="{CD87B476-F4B1-44DC-9882-9C39F5F8357C}" type="datetimeFigureOut">
               <a:rPr lang="fr-CA" smtClean="0"/>
-              <a:t>15/sept.2016</a:t>
+              <a:t>2016-09-15</a:t>
             </a:fld>
             <a:endParaRPr lang="fr-CA"/>
           </a:p>
@@ -755,7 +760,7 @@
           <a:p>
             <a:fld id="{CD87B476-F4B1-44DC-9882-9C39F5F8357C}" type="datetimeFigureOut">
               <a:rPr lang="fr-CA" smtClean="0"/>
-              <a:t>15/sept.2016</a:t>
+              <a:t>2016-09-15</a:t>
             </a:fld>
             <a:endParaRPr lang="fr-CA"/>
           </a:p>
@@ -935,7 +940,7 @@
           <a:p>
             <a:fld id="{CD87B476-F4B1-44DC-9882-9C39F5F8357C}" type="datetimeFigureOut">
               <a:rPr lang="fr-CA" smtClean="0"/>
-              <a:t>15/sept.2016</a:t>
+              <a:t>2016-09-15</a:t>
             </a:fld>
             <a:endParaRPr lang="fr-CA"/>
           </a:p>
@@ -1105,7 +1110,7 @@
           <a:p>
             <a:fld id="{CD87B476-F4B1-44DC-9882-9C39F5F8357C}" type="datetimeFigureOut">
               <a:rPr lang="fr-CA" smtClean="0"/>
-              <a:t>15/sept.2016</a:t>
+              <a:t>2016-09-15</a:t>
             </a:fld>
             <a:endParaRPr lang="fr-CA"/>
           </a:p>
@@ -1351,7 +1356,7 @@
           <a:p>
             <a:fld id="{CD87B476-F4B1-44DC-9882-9C39F5F8357C}" type="datetimeFigureOut">
               <a:rPr lang="fr-CA" smtClean="0"/>
-              <a:t>15/sept.2016</a:t>
+              <a:t>2016-09-15</a:t>
             </a:fld>
             <a:endParaRPr lang="fr-CA"/>
           </a:p>
@@ -1583,7 +1588,7 @@
           <a:p>
             <a:fld id="{CD87B476-F4B1-44DC-9882-9C39F5F8357C}" type="datetimeFigureOut">
               <a:rPr lang="fr-CA" smtClean="0"/>
-              <a:t>15/sept.2016</a:t>
+              <a:t>2016-09-15</a:t>
             </a:fld>
             <a:endParaRPr lang="fr-CA"/>
           </a:p>
@@ -1950,7 +1955,7 @@
           <a:p>
             <a:fld id="{CD87B476-F4B1-44DC-9882-9C39F5F8357C}" type="datetimeFigureOut">
               <a:rPr lang="fr-CA" smtClean="0"/>
-              <a:t>15/sept.2016</a:t>
+              <a:t>2016-09-15</a:t>
             </a:fld>
             <a:endParaRPr lang="fr-CA"/>
           </a:p>
@@ -2068,7 +2073,7 @@
           <a:p>
             <a:fld id="{CD87B476-F4B1-44DC-9882-9C39F5F8357C}" type="datetimeFigureOut">
               <a:rPr lang="fr-CA" smtClean="0"/>
-              <a:t>15/sept.2016</a:t>
+              <a:t>2016-09-15</a:t>
             </a:fld>
             <a:endParaRPr lang="fr-CA"/>
           </a:p>
@@ -2163,7 +2168,7 @@
           <a:p>
             <a:fld id="{CD87B476-F4B1-44DC-9882-9C39F5F8357C}" type="datetimeFigureOut">
               <a:rPr lang="fr-CA" smtClean="0"/>
-              <a:t>15/sept.2016</a:t>
+              <a:t>2016-09-15</a:t>
             </a:fld>
             <a:endParaRPr lang="fr-CA"/>
           </a:p>
@@ -2440,7 +2445,7 @@
           <a:p>
             <a:fld id="{CD87B476-F4B1-44DC-9882-9C39F5F8357C}" type="datetimeFigureOut">
               <a:rPr lang="fr-CA" smtClean="0"/>
-              <a:t>15/sept.2016</a:t>
+              <a:t>2016-09-15</a:t>
             </a:fld>
             <a:endParaRPr lang="fr-CA"/>
           </a:p>
@@ -2693,7 +2698,7 @@
           <a:p>
             <a:fld id="{CD87B476-F4B1-44DC-9882-9C39F5F8357C}" type="datetimeFigureOut">
               <a:rPr lang="fr-CA" smtClean="0"/>
-              <a:t>15/sept.2016</a:t>
+              <a:t>2016-09-15</a:t>
             </a:fld>
             <a:endParaRPr lang="fr-CA"/>
           </a:p>
@@ -2906,7 +2911,7 @@
           <a:p>
             <a:fld id="{CD87B476-F4B1-44DC-9882-9C39F5F8357C}" type="datetimeFigureOut">
               <a:rPr lang="fr-CA" smtClean="0"/>
-              <a:t>15/sept.2016</a:t>
+              <a:t>2016-09-15</a:t>
             </a:fld>
             <a:endParaRPr lang="fr-CA"/>
           </a:p>
@@ -3489,6 +3494,137 @@
           <a:chExt cx="0" cy="0"/>
         </a:xfrm>
       </p:grpSpPr>
+      <p:sp>
+        <p:nvSpPr>
+          <p:cNvPr id="2" name="TextBox 1"/>
+          <p:cNvSpPr txBox="1"/>
+          <p:nvPr/>
+        </p:nvSpPr>
+        <p:spPr>
+          <a:xfrm>
+            <a:off x="201539" y="348609"/>
+            <a:ext cx="11757289" cy="369332"/>
+          </a:xfrm>
+          <a:prstGeom prst="rect">
+            <a:avLst/>
+          </a:prstGeom>
+          <a:noFill/>
+        </p:spPr>
+        <p:txBody>
+          <a:bodyPr wrap="square" rtlCol="0">
+            <a:spAutoFit/>
+          </a:bodyPr>
+          <a:lstStyle/>
+          <a:p>
+            <a:pPr algn="r"/>
+            <a:r>
+              <a:rPr lang="en-US" dirty="0">
+                <a:solidFill>
+                  <a:schemeClr val="accent1">
+                    <a:lumMod val="75000"/>
+                  </a:schemeClr>
+                </a:solidFill>
+              </a:rPr>
+              <a:t>Solution</a:t>
+            </a:r>
+          </a:p>
+        </p:txBody>
+      </p:sp>
+      <p:sp>
+        <p:nvSpPr>
+          <p:cNvPr id="3" name="TextBox 2"/>
+          <p:cNvSpPr txBox="1"/>
+          <p:nvPr/>
+        </p:nvSpPr>
+        <p:spPr>
+          <a:xfrm>
+            <a:off x="414528" y="707087"/>
+            <a:ext cx="11777472" cy="523220"/>
+          </a:xfrm>
+          <a:prstGeom prst="rect">
+            <a:avLst/>
+          </a:prstGeom>
+          <a:noFill/>
+        </p:spPr>
+        <p:txBody>
+          <a:bodyPr wrap="square" rtlCol="0">
+            <a:spAutoFit/>
+          </a:bodyPr>
+          <a:lstStyle/>
+          <a:p>
+            <a:pPr algn="ctr"/>
+            <a:r>
+              <a:rPr lang="en-US" sz="2800" dirty="0">
+                <a:solidFill>
+                  <a:schemeClr val="accent6">
+                    <a:lumMod val="50000"/>
+                  </a:schemeClr>
+                </a:solidFill>
+              </a:rPr>
+              <a:t>Three Layers Application</a:t>
+            </a:r>
+          </a:p>
+        </p:txBody>
+      </p:sp>
+      <p:sp>
+        <p:nvSpPr>
+          <p:cNvPr id="4" name="TextBox 3"/>
+          <p:cNvSpPr txBox="1"/>
+          <p:nvPr/>
+        </p:nvSpPr>
+        <p:spPr>
+          <a:xfrm>
+            <a:off x="2366772" y="2871216"/>
+            <a:ext cx="7872984" cy="2308324"/>
+          </a:xfrm>
+          <a:prstGeom prst="rect">
+            <a:avLst/>
+          </a:prstGeom>
+          <a:noFill/>
+        </p:spPr>
+        <p:txBody>
+          <a:bodyPr wrap="square" rtlCol="0">
+            <a:spAutoFit/>
+          </a:bodyPr>
+          <a:lstStyle/>
+          <a:p>
+            <a:pPr marL="285750" indent="-285750">
+              <a:buFont typeface="Arial" panose="020B0604020202020204" pitchFamily="34" charset="0"/>
+              <a:buChar char="•"/>
+            </a:pPr>
+            <a:r>
+              <a:rPr lang="en-US" sz="2400" dirty="0"/>
+              <a:t>Database – shown in previous slides</a:t>
+            </a:r>
+          </a:p>
+          <a:p>
+            <a:endParaRPr lang="en-US" sz="2400" dirty="0"/>
+          </a:p>
+          <a:p>
+            <a:pPr marL="285750" indent="-285750">
+              <a:buFont typeface="Arial" panose="020B0604020202020204" pitchFamily="34" charset="0"/>
+              <a:buChar char="•"/>
+            </a:pPr>
+            <a:r>
+              <a:rPr lang="en-US" sz="2400" dirty="0"/>
+              <a:t>Mid layer – current statuses in arrays and lists</a:t>
+            </a:r>
+          </a:p>
+          <a:p>
+            <a:endParaRPr lang="en-US" sz="2400" dirty="0"/>
+          </a:p>
+          <a:p>
+            <a:pPr marL="285750" indent="-285750">
+              <a:buFont typeface="Arial" panose="020B0604020202020204" pitchFamily="34" charset="0"/>
+              <a:buChar char="•"/>
+            </a:pPr>
+            <a:r>
+              <a:rPr lang="en-US" sz="2400" dirty="0"/>
+              <a:t>Visualization – mostly done in XAML with no or very little programming</a:t>
+            </a:r>
+          </a:p>
+        </p:txBody>
+      </p:sp>
     </p:spTree>
     <p:extLst>
       <p:ext uri="{BB962C8B-B14F-4D97-AF65-F5344CB8AC3E}">
@@ -3549,6 +3685,165 @@
           <a:chExt cx="0" cy="0"/>
         </a:xfrm>
       </p:grpSpPr>
+      <p:sp>
+        <p:nvSpPr>
+          <p:cNvPr id="2" name="TextBox 1"/>
+          <p:cNvSpPr txBox="1"/>
+          <p:nvPr/>
+        </p:nvSpPr>
+        <p:spPr>
+          <a:xfrm>
+            <a:off x="201539" y="348609"/>
+            <a:ext cx="11757289" cy="369332"/>
+          </a:xfrm>
+          <a:prstGeom prst="rect">
+            <a:avLst/>
+          </a:prstGeom>
+          <a:noFill/>
+        </p:spPr>
+        <p:txBody>
+          <a:bodyPr wrap="square" rtlCol="0">
+            <a:spAutoFit/>
+          </a:bodyPr>
+          <a:lstStyle/>
+          <a:p>
+            <a:pPr algn="r"/>
+            <a:r>
+              <a:rPr lang="en-US" dirty="0">
+                <a:solidFill>
+                  <a:schemeClr val="accent1">
+                    <a:lumMod val="75000"/>
+                  </a:schemeClr>
+                </a:solidFill>
+              </a:rPr>
+              <a:t>Tips and Tricks</a:t>
+            </a:r>
+          </a:p>
+        </p:txBody>
+      </p:sp>
+      <p:sp>
+        <p:nvSpPr>
+          <p:cNvPr id="3" name="TextBox 2"/>
+          <p:cNvSpPr txBox="1"/>
+          <p:nvPr/>
+        </p:nvSpPr>
+        <p:spPr>
+          <a:xfrm>
+            <a:off x="414528" y="707087"/>
+            <a:ext cx="11777472" cy="523220"/>
+          </a:xfrm>
+          <a:prstGeom prst="rect">
+            <a:avLst/>
+          </a:prstGeom>
+          <a:noFill/>
+        </p:spPr>
+        <p:txBody>
+          <a:bodyPr wrap="square" rtlCol="0">
+            <a:spAutoFit/>
+          </a:bodyPr>
+          <a:lstStyle/>
+          <a:p>
+            <a:pPr algn="ctr"/>
+            <a:r>
+              <a:rPr lang="en-US" sz="2800" dirty="0">
+                <a:solidFill>
+                  <a:schemeClr val="accent6">
+                    <a:lumMod val="50000"/>
+                  </a:schemeClr>
+                </a:solidFill>
+              </a:rPr>
+              <a:t>Passing extra parameters to an event handler </a:t>
+            </a:r>
+          </a:p>
+        </p:txBody>
+      </p:sp>
+      <p:pic>
+        <p:nvPicPr>
+          <p:cNvPr id="5" name="Picture 4"/>
+          <p:cNvPicPr>
+            <a:picLocks noChangeAspect="1"/>
+          </p:cNvPicPr>
+          <p:nvPr/>
+        </p:nvPicPr>
+        <p:blipFill>
+          <a:blip r:embed="rId2"/>
+          <a:stretch>
+            <a:fillRect/>
+          </a:stretch>
+        </p:blipFill>
+        <p:spPr>
+          <a:xfrm>
+            <a:off x="1218247" y="1588785"/>
+            <a:ext cx="8658225" cy="1600200"/>
+          </a:xfrm>
+          <a:prstGeom prst="rect">
+            <a:avLst/>
+          </a:prstGeom>
+          <a:effectLst>
+            <a:innerShdw blurRad="114300">
+              <a:prstClr val="black"/>
+            </a:innerShdw>
+          </a:effectLst>
+        </p:spPr>
+      </p:pic>
+      <p:pic>
+        <p:nvPicPr>
+          <p:cNvPr id="6" name="Picture 5"/>
+          <p:cNvPicPr>
+            <a:picLocks noChangeAspect="1"/>
+          </p:cNvPicPr>
+          <p:nvPr/>
+        </p:nvPicPr>
+        <p:blipFill>
+          <a:blip r:embed="rId3"/>
+          <a:stretch>
+            <a:fillRect/>
+          </a:stretch>
+        </p:blipFill>
+        <p:spPr>
+          <a:xfrm>
+            <a:off x="1218247" y="3547463"/>
+            <a:ext cx="5862777" cy="1990725"/>
+          </a:xfrm>
+          <a:prstGeom prst="rect">
+            <a:avLst/>
+          </a:prstGeom>
+          <a:effectLst>
+            <a:innerShdw blurRad="114300">
+              <a:prstClr val="black"/>
+            </a:innerShdw>
+          </a:effectLst>
+        </p:spPr>
+      </p:pic>
+      <p:pic>
+        <p:nvPicPr>
+          <p:cNvPr id="7" name="Picture 6"/>
+          <p:cNvPicPr>
+            <a:picLocks noChangeAspect="1"/>
+          </p:cNvPicPr>
+          <p:nvPr/>
+        </p:nvPicPr>
+        <p:blipFill>
+          <a:blip r:embed="rId4"/>
+          <a:stretch>
+            <a:fillRect/>
+          </a:stretch>
+        </p:blipFill>
+        <p:spPr>
+          <a:xfrm>
+            <a:off x="6336717" y="4077513"/>
+            <a:ext cx="4905375" cy="1914525"/>
+          </a:xfrm>
+          <a:prstGeom prst="rect">
+            <a:avLst/>
+          </a:prstGeom>
+          <a:effectLst>
+            <a:innerShdw blurRad="114300">
+              <a:prstClr val="black"/>
+            </a:innerShdw>
+          </a:effectLst>
+        </p:spPr>
+      </p:pic>
     </p:spTree>
     <p:extLst>
       <p:ext uri="{BB962C8B-B14F-4D97-AF65-F5344CB8AC3E}">
@@ -3609,6 +3904,107 @@
           <a:chExt cx="0" cy="0"/>
         </a:xfrm>
       </p:grpSpPr>
+      <p:sp>
+        <p:nvSpPr>
+          <p:cNvPr id="2" name="TextBox 1"/>
+          <p:cNvSpPr txBox="1"/>
+          <p:nvPr/>
+        </p:nvSpPr>
+        <p:spPr>
+          <a:xfrm>
+            <a:off x="201539" y="348609"/>
+            <a:ext cx="11757289" cy="369332"/>
+          </a:xfrm>
+          <a:prstGeom prst="rect">
+            <a:avLst/>
+          </a:prstGeom>
+          <a:noFill/>
+        </p:spPr>
+        <p:txBody>
+          <a:bodyPr wrap="square" rtlCol="0">
+            <a:spAutoFit/>
+          </a:bodyPr>
+          <a:lstStyle/>
+          <a:p>
+            <a:pPr algn="r"/>
+            <a:r>
+              <a:rPr lang="en-US" dirty="0">
+                <a:solidFill>
+                  <a:schemeClr val="accent1">
+                    <a:lumMod val="75000"/>
+                  </a:schemeClr>
+                </a:solidFill>
+              </a:rPr>
+              <a:t>Tips and Tricks</a:t>
+            </a:r>
+          </a:p>
+        </p:txBody>
+      </p:sp>
+      <p:sp>
+        <p:nvSpPr>
+          <p:cNvPr id="3" name="TextBox 2"/>
+          <p:cNvSpPr txBox="1"/>
+          <p:nvPr/>
+        </p:nvSpPr>
+        <p:spPr>
+          <a:xfrm>
+            <a:off x="414528" y="1362654"/>
+            <a:ext cx="11777472" cy="523220"/>
+          </a:xfrm>
+          <a:prstGeom prst="rect">
+            <a:avLst/>
+          </a:prstGeom>
+          <a:noFill/>
+        </p:spPr>
+        <p:txBody>
+          <a:bodyPr wrap="square" rtlCol="0">
+            <a:spAutoFit/>
+          </a:bodyPr>
+          <a:lstStyle/>
+          <a:p>
+            <a:pPr algn="ctr"/>
+            <a:r>
+              <a:rPr lang="en-US" sz="2800" dirty="0">
+                <a:solidFill>
+                  <a:schemeClr val="accent6">
+                    <a:lumMod val="50000"/>
+                  </a:schemeClr>
+                </a:solidFill>
+              </a:rPr>
+              <a:t>Accessing control through its parent element </a:t>
+            </a:r>
+          </a:p>
+        </p:txBody>
+      </p:sp>
+      <p:pic>
+        <p:nvPicPr>
+          <p:cNvPr id="4" name="Picture 3"/>
+          <p:cNvPicPr>
+            <a:picLocks noChangeAspect="1"/>
+          </p:cNvPicPr>
+          <p:nvPr/>
+        </p:nvPicPr>
+        <p:blipFill>
+          <a:blip r:embed="rId2"/>
+          <a:stretch>
+            <a:fillRect/>
+          </a:stretch>
+        </p:blipFill>
+        <p:spPr>
+          <a:xfrm>
+            <a:off x="1207989" y="2628743"/>
+            <a:ext cx="10018532" cy="2918387"/>
+          </a:xfrm>
+          <a:prstGeom prst="rect">
+            <a:avLst/>
+          </a:prstGeom>
+          <a:effectLst>
+            <a:innerShdw blurRad="114300">
+              <a:prstClr val="black"/>
+            </a:innerShdw>
+          </a:effectLst>
+        </p:spPr>
+      </p:pic>
     </p:spTree>
     <p:extLst>
       <p:ext uri="{BB962C8B-B14F-4D97-AF65-F5344CB8AC3E}">
@@ -3921,6 +4317,108 @@
           <a:chExt cx="0" cy="0"/>
         </a:xfrm>
       </p:grpSpPr>
+      <p:pic>
+        <p:nvPicPr>
+          <p:cNvPr id="3" name="Picture 2"/>
+          <p:cNvPicPr>
+            <a:picLocks noChangeAspect="1"/>
+          </p:cNvPicPr>
+          <p:nvPr/>
+        </p:nvPicPr>
+        <p:blipFill>
+          <a:blip r:embed="rId2">
+            <a:extLst>
+              <a:ext uri="{28A0092B-C50C-407E-A947-70E740481C1C}">
+                <a14:useLocalDpi xmlns:a14="http://schemas.microsoft.com/office/drawing/2010/main" val="0"/>
+              </a:ext>
+            </a:extLst>
+          </a:blip>
+          <a:stretch>
+            <a:fillRect/>
+          </a:stretch>
+        </p:blipFill>
+        <p:spPr>
+          <a:xfrm>
+            <a:off x="139055" y="1803380"/>
+            <a:ext cx="12024186" cy="3875044"/>
+          </a:xfrm>
+          <a:prstGeom prst="rect">
+            <a:avLst/>
+          </a:prstGeom>
+        </p:spPr>
+      </p:pic>
+      <p:sp>
+        <p:nvSpPr>
+          <p:cNvPr id="5" name="TextBox 4"/>
+          <p:cNvSpPr txBox="1"/>
+          <p:nvPr/>
+        </p:nvSpPr>
+        <p:spPr>
+          <a:xfrm>
+            <a:off x="139055" y="384048"/>
+            <a:ext cx="11757289" cy="369332"/>
+          </a:xfrm>
+          <a:prstGeom prst="rect">
+            <a:avLst/>
+          </a:prstGeom>
+          <a:noFill/>
+        </p:spPr>
+        <p:txBody>
+          <a:bodyPr wrap="square" rtlCol="0">
+            <a:spAutoFit/>
+          </a:bodyPr>
+          <a:lstStyle/>
+          <a:p>
+            <a:pPr algn="r"/>
+            <a:r>
+              <a:rPr lang="en-US" dirty="0">
+                <a:solidFill>
+                  <a:schemeClr val="accent1">
+                    <a:lumMod val="75000"/>
+                  </a:schemeClr>
+                </a:solidFill>
+              </a:rPr>
+              <a:t>Solution</a:t>
+            </a:r>
+          </a:p>
+        </p:txBody>
+      </p:sp>
+      <p:sp>
+        <p:nvSpPr>
+          <p:cNvPr id="6" name="TextBox 5"/>
+          <p:cNvSpPr txBox="1"/>
+          <p:nvPr/>
+        </p:nvSpPr>
+        <p:spPr>
+          <a:xfrm>
+            <a:off x="118872" y="1280160"/>
+            <a:ext cx="11777472" cy="523220"/>
+          </a:xfrm>
+          <a:prstGeom prst="rect">
+            <a:avLst/>
+          </a:prstGeom>
+          <a:noFill/>
+        </p:spPr>
+        <p:txBody>
+          <a:bodyPr wrap="square" rtlCol="0">
+            <a:spAutoFit/>
+          </a:bodyPr>
+          <a:lstStyle/>
+          <a:p>
+            <a:pPr algn="ctr"/>
+            <a:r>
+              <a:rPr lang="en-US" sz="2800" dirty="0">
+                <a:solidFill>
+                  <a:schemeClr val="accent6">
+                    <a:lumMod val="50000"/>
+                  </a:schemeClr>
+                </a:solidFill>
+              </a:rPr>
+              <a:t>Data Model</a:t>
+            </a:r>
+          </a:p>
+        </p:txBody>
+      </p:sp>
     </p:spTree>
     <p:extLst>
       <p:ext uri="{BB962C8B-B14F-4D97-AF65-F5344CB8AC3E}">
@@ -3951,6 +4449,161 @@
           <a:chExt cx="0" cy="0"/>
         </a:xfrm>
       </p:grpSpPr>
+      <p:sp>
+        <p:nvSpPr>
+          <p:cNvPr id="2" name="TextBox 1"/>
+          <p:cNvSpPr txBox="1"/>
+          <p:nvPr/>
+        </p:nvSpPr>
+        <p:spPr>
+          <a:xfrm>
+            <a:off x="201539" y="348609"/>
+            <a:ext cx="11757289" cy="369332"/>
+          </a:xfrm>
+          <a:prstGeom prst="rect">
+            <a:avLst/>
+          </a:prstGeom>
+          <a:noFill/>
+        </p:spPr>
+        <p:txBody>
+          <a:bodyPr wrap="square" rtlCol="0">
+            <a:spAutoFit/>
+          </a:bodyPr>
+          <a:lstStyle/>
+          <a:p>
+            <a:pPr algn="r"/>
+            <a:r>
+              <a:rPr lang="en-US" dirty="0">
+                <a:solidFill>
+                  <a:schemeClr val="accent1">
+                    <a:lumMod val="75000"/>
+                  </a:schemeClr>
+                </a:solidFill>
+              </a:rPr>
+              <a:t>Solution</a:t>
+            </a:r>
+          </a:p>
+        </p:txBody>
+      </p:sp>
+      <p:sp>
+        <p:nvSpPr>
+          <p:cNvPr id="3" name="TextBox 2"/>
+          <p:cNvSpPr txBox="1"/>
+          <p:nvPr/>
+        </p:nvSpPr>
+        <p:spPr>
+          <a:xfrm>
+            <a:off x="414528" y="707087"/>
+            <a:ext cx="11777472" cy="523220"/>
+          </a:xfrm>
+          <a:prstGeom prst="rect">
+            <a:avLst/>
+          </a:prstGeom>
+          <a:noFill/>
+        </p:spPr>
+        <p:txBody>
+          <a:bodyPr wrap="square" rtlCol="0">
+            <a:spAutoFit/>
+          </a:bodyPr>
+          <a:lstStyle/>
+          <a:p>
+            <a:pPr algn="ctr"/>
+            <a:r>
+              <a:rPr lang="en-US" sz="2800" dirty="0">
+                <a:solidFill>
+                  <a:schemeClr val="accent6">
+                    <a:lumMod val="50000"/>
+                  </a:schemeClr>
+                </a:solidFill>
+              </a:rPr>
+              <a:t>Ribbon</a:t>
+            </a:r>
+          </a:p>
+        </p:txBody>
+      </p:sp>
+      <p:pic>
+        <p:nvPicPr>
+          <p:cNvPr id="4" name="Picture 3"/>
+          <p:cNvPicPr>
+            <a:picLocks noChangeAspect="1"/>
+          </p:cNvPicPr>
+          <p:nvPr/>
+        </p:nvPicPr>
+        <p:blipFill>
+          <a:blip r:embed="rId2">
+            <a:extLst>
+              <a:ext uri="{28A0092B-C50C-407E-A947-70E740481C1C}">
+                <a14:useLocalDpi xmlns:a14="http://schemas.microsoft.com/office/drawing/2010/main" val="0"/>
+              </a:ext>
+            </a:extLst>
+          </a:blip>
+          <a:stretch>
+            <a:fillRect/>
+          </a:stretch>
+        </p:blipFill>
+        <p:spPr>
+          <a:xfrm>
+            <a:off x="435270" y="1401257"/>
+            <a:ext cx="11461074" cy="3517913"/>
+          </a:xfrm>
+          <a:prstGeom prst="rect">
+            <a:avLst/>
+          </a:prstGeom>
+        </p:spPr>
+      </p:pic>
+      <p:sp>
+        <p:nvSpPr>
+          <p:cNvPr id="6" name="TextBox 5"/>
+          <p:cNvSpPr txBox="1"/>
+          <p:nvPr/>
+        </p:nvSpPr>
+        <p:spPr>
+          <a:xfrm>
+            <a:off x="7370064" y="5404104"/>
+            <a:ext cx="4654296" cy="923330"/>
+          </a:xfrm>
+          <a:prstGeom prst="rect">
+            <a:avLst/>
+          </a:prstGeom>
+          <a:noFill/>
+        </p:spPr>
+        <p:txBody>
+          <a:bodyPr wrap="square" numCol="1" rtlCol="0">
+            <a:spAutoFit/>
+          </a:bodyPr>
+          <a:lstStyle/>
+          <a:p>
+            <a:pPr marL="285750" indent="-285750">
+              <a:buFont typeface="Arial" panose="020B0604020202020204" pitchFamily="34" charset="0"/>
+              <a:buChar char="•"/>
+            </a:pPr>
+            <a:r>
+              <a:rPr lang="en-US" dirty="0"/>
+              <a:t>Not included in WPF</a:t>
+            </a:r>
+          </a:p>
+          <a:p>
+            <a:pPr marL="285750" indent="-285750">
+              <a:buFont typeface="Arial" panose="020B0604020202020204" pitchFamily="34" charset="0"/>
+              <a:buChar char="•"/>
+            </a:pPr>
+            <a:r>
+              <a:rPr lang="en-US" dirty="0"/>
+              <a:t>Needs additional installation</a:t>
+            </a:r>
+          </a:p>
+          <a:p>
+            <a:pPr marL="285750" indent="-285750">
+              <a:buFont typeface="Arial" panose="020B0604020202020204" pitchFamily="34" charset="0"/>
+              <a:buChar char="•"/>
+            </a:pPr>
+            <a:r>
+              <a:rPr lang="en-US" dirty="0"/>
+              <a:t>Appears in XAML as custom control</a:t>
+            </a:r>
+          </a:p>
+        </p:txBody>
+      </p:sp>
     </p:spTree>
     <p:extLst>
       <p:ext uri="{BB962C8B-B14F-4D97-AF65-F5344CB8AC3E}">
@@ -3981,6 +4634,171 @@
           <a:chExt cx="0" cy="0"/>
         </a:xfrm>
       </p:grpSpPr>
+      <p:pic>
+        <p:nvPicPr>
+          <p:cNvPr id="2" name="Picture 1"/>
+          <p:cNvPicPr>
+            <a:picLocks noChangeAspect="1"/>
+          </p:cNvPicPr>
+          <p:nvPr/>
+        </p:nvPicPr>
+        <p:blipFill>
+          <a:blip r:embed="rId2"/>
+          <a:stretch>
+            <a:fillRect/>
+          </a:stretch>
+        </p:blipFill>
+        <p:spPr>
+          <a:xfrm>
+            <a:off x="414528" y="1540794"/>
+            <a:ext cx="6589107" cy="4447827"/>
+          </a:xfrm>
+          <a:prstGeom prst="rect">
+            <a:avLst/>
+          </a:prstGeom>
+        </p:spPr>
+      </p:pic>
+      <p:sp>
+        <p:nvSpPr>
+          <p:cNvPr id="3" name="TextBox 2"/>
+          <p:cNvSpPr txBox="1"/>
+          <p:nvPr/>
+        </p:nvSpPr>
+        <p:spPr>
+          <a:xfrm>
+            <a:off x="201539" y="348609"/>
+            <a:ext cx="11757289" cy="369332"/>
+          </a:xfrm>
+          <a:prstGeom prst="rect">
+            <a:avLst/>
+          </a:prstGeom>
+          <a:noFill/>
+        </p:spPr>
+        <p:txBody>
+          <a:bodyPr wrap="square" rtlCol="0">
+            <a:spAutoFit/>
+          </a:bodyPr>
+          <a:lstStyle/>
+          <a:p>
+            <a:pPr algn="r"/>
+            <a:r>
+              <a:rPr lang="en-US" dirty="0">
+                <a:solidFill>
+                  <a:schemeClr val="accent1">
+                    <a:lumMod val="75000"/>
+                  </a:schemeClr>
+                </a:solidFill>
+              </a:rPr>
+              <a:t>Solution</a:t>
+            </a:r>
+          </a:p>
+        </p:txBody>
+      </p:sp>
+      <p:sp>
+        <p:nvSpPr>
+          <p:cNvPr id="4" name="TextBox 3"/>
+          <p:cNvSpPr txBox="1"/>
+          <p:nvPr/>
+        </p:nvSpPr>
+        <p:spPr>
+          <a:xfrm>
+            <a:off x="414528" y="707087"/>
+            <a:ext cx="11777472" cy="523220"/>
+          </a:xfrm>
+          <a:prstGeom prst="rect">
+            <a:avLst/>
+          </a:prstGeom>
+          <a:noFill/>
+        </p:spPr>
+        <p:txBody>
+          <a:bodyPr wrap="square" rtlCol="0">
+            <a:spAutoFit/>
+          </a:bodyPr>
+          <a:lstStyle/>
+          <a:p>
+            <a:pPr algn="ctr"/>
+            <a:r>
+              <a:rPr lang="en-US" sz="2800" dirty="0">
+                <a:solidFill>
+                  <a:schemeClr val="accent6">
+                    <a:lumMod val="50000"/>
+                  </a:schemeClr>
+                </a:solidFill>
+              </a:rPr>
+              <a:t>MDI</a:t>
+            </a:r>
+          </a:p>
+        </p:txBody>
+      </p:sp>
+      <p:sp>
+        <p:nvSpPr>
+          <p:cNvPr id="5" name="TextBox 4"/>
+          <p:cNvSpPr txBox="1"/>
+          <p:nvPr/>
+        </p:nvSpPr>
+        <p:spPr>
+          <a:xfrm>
+            <a:off x="7726680" y="4279392"/>
+            <a:ext cx="4105419" cy="1477328"/>
+          </a:xfrm>
+          <a:prstGeom prst="rect">
+            <a:avLst/>
+          </a:prstGeom>
+          <a:noFill/>
+        </p:spPr>
+        <p:txBody>
+          <a:bodyPr wrap="none" rtlCol="0">
+            <a:spAutoFit/>
+          </a:bodyPr>
+          <a:lstStyle/>
+          <a:p>
+            <a:pPr marL="285750" indent="-285750">
+              <a:buFont typeface="Arial" panose="020B0604020202020204" pitchFamily="34" charset="0"/>
+              <a:buChar char="•"/>
+            </a:pPr>
+            <a:r>
+              <a:rPr lang="en-US" dirty="0"/>
+              <a:t>WPF.MDI</a:t>
+            </a:r>
+          </a:p>
+          <a:p>
+            <a:pPr marL="285750" indent="-285750">
+              <a:buFont typeface="Arial" panose="020B0604020202020204" pitchFamily="34" charset="0"/>
+              <a:buChar char="•"/>
+            </a:pPr>
+            <a:r>
+              <a:rPr lang="en-US" dirty="0"/>
+              <a:t>External Library</a:t>
+            </a:r>
+          </a:p>
+          <a:p>
+            <a:pPr marL="285750" indent="-285750">
+              <a:buFont typeface="Arial" panose="020B0604020202020204" pitchFamily="34" charset="0"/>
+              <a:buChar char="•"/>
+            </a:pPr>
+            <a:r>
+              <a:rPr lang="en-US" dirty="0"/>
+              <a:t>Container made to look like window</a:t>
+            </a:r>
+          </a:p>
+          <a:p>
+            <a:pPr marL="285750" indent="-285750">
+              <a:buFont typeface="Arial" panose="020B0604020202020204" pitchFamily="34" charset="0"/>
+              <a:buChar char="•"/>
+            </a:pPr>
+            <a:r>
+              <a:rPr lang="en-US" dirty="0"/>
+              <a:t>Grid in it – controls all kind of resizing, </a:t>
+            </a:r>
+          </a:p>
+          <a:p>
+            <a:r>
+              <a:rPr lang="en-US" dirty="0"/>
+              <a:t>scaling, margins etc.</a:t>
+            </a:r>
+          </a:p>
+        </p:txBody>
+      </p:sp>
     </p:spTree>
     <p:extLst>
       <p:ext uri="{BB962C8B-B14F-4D97-AF65-F5344CB8AC3E}">

--- a/PresentationGardenPlanner.pptx
+++ b/PresentationGardenPlanner.pptx
@@ -15,10 +15,8 @@
     <p:sldId id="263" r:id="rId9"/>
     <p:sldId id="264" r:id="rId10"/>
     <p:sldId id="265" r:id="rId11"/>
-    <p:sldId id="266" r:id="rId12"/>
-    <p:sldId id="267" r:id="rId13"/>
-    <p:sldId id="268" r:id="rId14"/>
-    <p:sldId id="269" r:id="rId15"/>
+    <p:sldId id="267" r:id="rId12"/>
+    <p:sldId id="269" r:id="rId13"/>
   </p:sldIdLst>
   <p:sldSz cx="12192000" cy="6858000"/>
   <p:notesSz cx="6858000" cy="9144000"/>
@@ -185,29 +183,6 @@
 
 <file path=ppt/comments/comment11.xml><?xml version="1.0" encoding="utf-8"?>
 <p:cmLst xmlns:a="http://schemas.openxmlformats.org/drawingml/2006/main" xmlns:r="http://schemas.openxmlformats.org/officeDocument/2006/relationships" xmlns:p="http://schemas.openxmlformats.org/presentationml/2006/main">
-  <p:cm authorId="1" dt="2016-09-15T13:02:47.469" idx="22">
-    <p:pos x="10" y="10"/>
-    <p:text>Nathalie</p:text>
-    <p:extLst>
-      <p:ext uri="{C676402C-5697-4E1C-873F-D02D1690AC5C}">
-        <p15:threadingInfo xmlns:p15="http://schemas.microsoft.com/office/powerpoint/2012/main" timeZoneBias="240"/>
-      </p:ext>
-    </p:extLst>
-  </p:cm>
-  <p:cm authorId="1" dt="2016-09-15T13:02:56.109" idx="23">
-    <p:pos x="106" y="106"/>
-    <p:text>What we learned</p:text>
-    <p:extLst>
-      <p:ext uri="{C676402C-5697-4E1C-873F-D02D1690AC5C}">
-        <p15:threadingInfo xmlns:p15="http://schemas.microsoft.com/office/powerpoint/2012/main" timeZoneBias="240"/>
-      </p:ext>
-    </p:extLst>
-  </p:cm>
-</p:cmLst>
-</file>
-
-<file path=ppt/comments/comment12.xml><?xml version="1.0" encoding="utf-8"?>
-<p:cmLst xmlns:a="http://schemas.openxmlformats.org/drawingml/2006/main" xmlns:r="http://schemas.openxmlformats.org/officeDocument/2006/relationships" xmlns:p="http://schemas.openxmlformats.org/presentationml/2006/main">
   <p:cm authorId="1" dt="2016-09-15T13:03:18.496" idx="24">
     <p:pos x="10" y="10"/>
     <p:text>Nikolay</p:text>
@@ -229,30 +204,7 @@
 </p:cmLst>
 </file>
 
-<file path=ppt/comments/comment13.xml><?xml version="1.0" encoding="utf-8"?>
-<p:cmLst xmlns:a="http://schemas.openxmlformats.org/drawingml/2006/main" xmlns:r="http://schemas.openxmlformats.org/officeDocument/2006/relationships" xmlns:p="http://schemas.openxmlformats.org/presentationml/2006/main">
-  <p:cm authorId="1" dt="2016-09-15T13:05:12.993" idx="28">
-    <p:pos x="10" y="10"/>
-    <p:text>Nathalie</p:text>
-    <p:extLst>
-      <p:ext uri="{C676402C-5697-4E1C-873F-D02D1690AC5C}">
-        <p15:threadingInfo xmlns:p15="http://schemas.microsoft.com/office/powerpoint/2012/main" timeZoneBias="240"/>
-      </p:ext>
-    </p:extLst>
-  </p:cm>
-  <p:cm authorId="1" dt="2016-09-15T13:05:28.387" idx="29">
-    <p:pos x="106" y="106"/>
-    <p:text>Future work</p:text>
-    <p:extLst>
-      <p:ext uri="{C676402C-5697-4E1C-873F-D02D1690AC5C}">
-        <p15:threadingInfo xmlns:p15="http://schemas.microsoft.com/office/powerpoint/2012/main" timeZoneBias="240"/>
-      </p:ext>
-    </p:extLst>
-  </p:cm>
-</p:cmLst>
-</file>
-
-<file path=ppt/comments/comment14.xml><?xml version="1.0" encoding="utf-8"?>
+<file path=ppt/comments/comment12.xml><?xml version="1.0" encoding="utf-8"?>
 <p:cmLst xmlns:a="http://schemas.openxmlformats.org/drawingml/2006/main" xmlns:r="http://schemas.openxmlformats.org/officeDocument/2006/relationships" xmlns:p="http://schemas.openxmlformats.org/presentationml/2006/main">
   <p:cm authorId="1" dt="2016-09-15T13:06:28.196" idx="30">
     <p:pos x="10" y="10"/>
@@ -590,7 +542,7 @@
           <a:p>
             <a:fld id="{CD87B476-F4B1-44DC-9882-9C39F5F8357C}" type="datetimeFigureOut">
               <a:rPr lang="fr-CA" smtClean="0"/>
-              <a:t>2016-09-15</a:t>
+              <a:t>16/sept.2016</a:t>
             </a:fld>
             <a:endParaRPr lang="fr-CA"/>
           </a:p>
@@ -760,7 +712,7 @@
           <a:p>
             <a:fld id="{CD87B476-F4B1-44DC-9882-9C39F5F8357C}" type="datetimeFigureOut">
               <a:rPr lang="fr-CA" smtClean="0"/>
-              <a:t>2016-09-15</a:t>
+              <a:t>16/sept.2016</a:t>
             </a:fld>
             <a:endParaRPr lang="fr-CA"/>
           </a:p>
@@ -940,7 +892,7 @@
           <a:p>
             <a:fld id="{CD87B476-F4B1-44DC-9882-9C39F5F8357C}" type="datetimeFigureOut">
               <a:rPr lang="fr-CA" smtClean="0"/>
-              <a:t>2016-09-15</a:t>
+              <a:t>16/sept.2016</a:t>
             </a:fld>
             <a:endParaRPr lang="fr-CA"/>
           </a:p>
@@ -1110,7 +1062,7 @@
           <a:p>
             <a:fld id="{CD87B476-F4B1-44DC-9882-9C39F5F8357C}" type="datetimeFigureOut">
               <a:rPr lang="fr-CA" smtClean="0"/>
-              <a:t>2016-09-15</a:t>
+              <a:t>16/sept.2016</a:t>
             </a:fld>
             <a:endParaRPr lang="fr-CA"/>
           </a:p>
@@ -1356,7 +1308,7 @@
           <a:p>
             <a:fld id="{CD87B476-F4B1-44DC-9882-9C39F5F8357C}" type="datetimeFigureOut">
               <a:rPr lang="fr-CA" smtClean="0"/>
-              <a:t>2016-09-15</a:t>
+              <a:t>16/sept.2016</a:t>
             </a:fld>
             <a:endParaRPr lang="fr-CA"/>
           </a:p>
@@ -1588,7 +1540,7 @@
           <a:p>
             <a:fld id="{CD87B476-F4B1-44DC-9882-9C39F5F8357C}" type="datetimeFigureOut">
               <a:rPr lang="fr-CA" smtClean="0"/>
-              <a:t>2016-09-15</a:t>
+              <a:t>16/sept.2016</a:t>
             </a:fld>
             <a:endParaRPr lang="fr-CA"/>
           </a:p>
@@ -1955,7 +1907,7 @@
           <a:p>
             <a:fld id="{CD87B476-F4B1-44DC-9882-9C39F5F8357C}" type="datetimeFigureOut">
               <a:rPr lang="fr-CA" smtClean="0"/>
-              <a:t>2016-09-15</a:t>
+              <a:t>16/sept.2016</a:t>
             </a:fld>
             <a:endParaRPr lang="fr-CA"/>
           </a:p>
@@ -2073,7 +2025,7 @@
           <a:p>
             <a:fld id="{CD87B476-F4B1-44DC-9882-9C39F5F8357C}" type="datetimeFigureOut">
               <a:rPr lang="fr-CA" smtClean="0"/>
-              <a:t>2016-09-15</a:t>
+              <a:t>16/sept.2016</a:t>
             </a:fld>
             <a:endParaRPr lang="fr-CA"/>
           </a:p>
@@ -2168,7 +2120,7 @@
           <a:p>
             <a:fld id="{CD87B476-F4B1-44DC-9882-9C39F5F8357C}" type="datetimeFigureOut">
               <a:rPr lang="fr-CA" smtClean="0"/>
-              <a:t>2016-09-15</a:t>
+              <a:t>16/sept.2016</a:t>
             </a:fld>
             <a:endParaRPr lang="fr-CA"/>
           </a:p>
@@ -2445,7 +2397,7 @@
           <a:p>
             <a:fld id="{CD87B476-F4B1-44DC-9882-9C39F5F8357C}" type="datetimeFigureOut">
               <a:rPr lang="fr-CA" smtClean="0"/>
-              <a:t>2016-09-15</a:t>
+              <a:t>16/sept.2016</a:t>
             </a:fld>
             <a:endParaRPr lang="fr-CA"/>
           </a:p>
@@ -2698,7 +2650,7 @@
           <a:p>
             <a:fld id="{CD87B476-F4B1-44DC-9882-9C39F5F8357C}" type="datetimeFigureOut">
               <a:rPr lang="fr-CA" smtClean="0"/>
-              <a:t>2016-09-15</a:t>
+              <a:t>16/sept.2016</a:t>
             </a:fld>
             <a:endParaRPr lang="fr-CA"/>
           </a:p>
@@ -2911,7 +2863,7 @@
           <a:p>
             <a:fld id="{CD87B476-F4B1-44DC-9882-9C39F5F8357C}" type="datetimeFigureOut">
               <a:rPr lang="fr-CA" smtClean="0"/>
-              <a:t>2016-09-15</a:t>
+              <a:t>16/sept.2016</a:t>
             </a:fld>
             <a:endParaRPr lang="fr-CA"/>
           </a:p>
@@ -3655,36 +3607,6 @@
           <a:chExt cx="0" cy="0"/>
         </a:xfrm>
       </p:grpSpPr>
-    </p:spTree>
-    <p:extLst>
-      <p:ext uri="{BB962C8B-B14F-4D97-AF65-F5344CB8AC3E}">
-        <p14:creationId xmlns:p14="http://schemas.microsoft.com/office/powerpoint/2010/main" val="4054131905"/>
-      </p:ext>
-    </p:extLst>
-  </p:cSld>
-  <p:clrMapOvr>
-    <a:masterClrMapping/>
-  </p:clrMapOvr>
-</p:sld>
-</file>
-
-<file path=ppt/slides/slide12.xml><?xml version="1.0" encoding="utf-8"?>
-<p:sld xmlns:a="http://schemas.openxmlformats.org/drawingml/2006/main" xmlns:r="http://schemas.openxmlformats.org/officeDocument/2006/relationships" xmlns:p="http://schemas.openxmlformats.org/presentationml/2006/main">
-  <p:cSld>
-    <p:spTree>
-      <p:nvGrpSpPr>
-        <p:cNvPr id="1" name=""/>
-        <p:cNvGrpSpPr/>
-        <p:nvPr/>
-      </p:nvGrpSpPr>
-      <p:grpSpPr>
-        <a:xfrm>
-          <a:off x="0" y="0"/>
-          <a:ext cx="0" cy="0"/>
-          <a:chOff x="0" y="0"/>
-          <a:chExt cx="0" cy="0"/>
-        </a:xfrm>
-      </p:grpSpPr>
       <p:sp>
         <p:nvSpPr>
           <p:cNvPr id="2" name="TextBox 1"/>
@@ -3857,37 +3779,7 @@
 </p:sld>
 </file>
 
-<file path=ppt/slides/slide13.xml><?xml version="1.0" encoding="utf-8"?>
-<p:sld xmlns:a="http://schemas.openxmlformats.org/drawingml/2006/main" xmlns:r="http://schemas.openxmlformats.org/officeDocument/2006/relationships" xmlns:p="http://schemas.openxmlformats.org/presentationml/2006/main">
-  <p:cSld>
-    <p:spTree>
-      <p:nvGrpSpPr>
-        <p:cNvPr id="1" name=""/>
-        <p:cNvGrpSpPr/>
-        <p:nvPr/>
-      </p:nvGrpSpPr>
-      <p:grpSpPr>
-        <a:xfrm>
-          <a:off x="0" y="0"/>
-          <a:ext cx="0" cy="0"/>
-          <a:chOff x="0" y="0"/>
-          <a:chExt cx="0" cy="0"/>
-        </a:xfrm>
-      </p:grpSpPr>
-    </p:spTree>
-    <p:extLst>
-      <p:ext uri="{BB962C8B-B14F-4D97-AF65-F5344CB8AC3E}">
-        <p14:creationId xmlns:p14="http://schemas.microsoft.com/office/powerpoint/2010/main" val="4137718801"/>
-      </p:ext>
-    </p:extLst>
-  </p:cSld>
-  <p:clrMapOvr>
-    <a:masterClrMapping/>
-  </p:clrMapOvr>
-</p:sld>
-</file>
-
-<file path=ppt/slides/slide14.xml><?xml version="1.0" encoding="utf-8"?>
+<file path=ppt/slides/slide12.xml><?xml version="1.0" encoding="utf-8"?>
 <p:sld xmlns:a="http://schemas.openxmlformats.org/drawingml/2006/main" xmlns:r="http://schemas.openxmlformats.org/officeDocument/2006/relationships" xmlns:p="http://schemas.openxmlformats.org/presentationml/2006/main">
   <p:cSld>
     <p:spTree>
